--- a/release/7일_완성_파이썬_퀀트투자_코스피_배당주_분석하기_Ver1.0.pptx
+++ b/release/7일_완성_파이썬_퀀트투자_코스피_배당주_분석하기_Ver1.0.pptx
@@ -6095,7 +6095,7 @@
                 <a:latin typeface="맑은 고딕"/>
                 <a:ea typeface="맑은 고딕"/>
               </a:rPr>
-              <a:t> 데이터프레임 기초</a:t>
+              <a:t> 판다스 데이터프레임 실습 </a:t>
             </a:r>
             <a:endParaRPr kumimoji="0" lang="ko-KR" altLang="en-US" sz="2000" b="0" i="0" u="none" strike="noStrike" kern="1200" cap="none" spc="0" normalizeH="0" baseline="0">
               <a:latin typeface="맑은 고딕"/>
